--- a/PPT/臻美味.pptx
+++ b/PPT/臻美味.pptx
@@ -4,9 +4,18 @@
   <p:sldMasterIdLst>
     <p:sldMasterId id="2147483648" r:id="rId1"/>
   </p:sldMasterIdLst>
+  <p:notesMasterIdLst>
+    <p:notesMasterId r:id="rId10"/>
+  </p:notesMasterIdLst>
   <p:sldIdLst>
     <p:sldId id="256" r:id="rId2"/>
     <p:sldId id="257" r:id="rId3"/>
+    <p:sldId id="258" r:id="rId4"/>
+    <p:sldId id="259" r:id="rId5"/>
+    <p:sldId id="260" r:id="rId6"/>
+    <p:sldId id="262" r:id="rId7"/>
+    <p:sldId id="261" r:id="rId8"/>
+    <p:sldId id="263" r:id="rId9"/>
   </p:sldIdLst>
   <p:sldSz cx="12192000" cy="6858000"/>
   <p:notesSz cx="6858000" cy="9144000"/>
@@ -105,7 +114,616 @@
       </a:defRPr>
     </a:lvl9pPr>
   </p:defaultTextStyle>
+  <p:extLst>
+    <p:ext uri="{EFAFB233-063F-42B5-8137-9DF3F51BA10A}">
+      <p15:sldGuideLst xmlns:p15="http://schemas.microsoft.com/office/powerpoint/2012/main"/>
+    </p:ext>
+  </p:extLst>
 </p:presentation>
+</file>
+
+<file path=ppt/notesMasters/notesMaster1.xml><?xml version="1.0" encoding="utf-8"?>
+<p:notesMaster xmlns:a="http://schemas.openxmlformats.org/drawingml/2006/main" xmlns:r="http://schemas.openxmlformats.org/officeDocument/2006/relationships" xmlns:p="http://schemas.openxmlformats.org/presentationml/2006/main">
+  <p:cSld>
+    <p:bg>
+      <p:bgRef idx="1001">
+        <a:schemeClr val="bg1"/>
+      </p:bgRef>
+    </p:bg>
+    <p:spTree>
+      <p:nvGrpSpPr>
+        <p:cNvPr id="1" name=""/>
+        <p:cNvGrpSpPr/>
+        <p:nvPr/>
+      </p:nvGrpSpPr>
+      <p:grpSpPr>
+        <a:xfrm>
+          <a:off x="0" y="0"/>
+          <a:ext cx="0" cy="0"/>
+          <a:chOff x="0" y="0"/>
+          <a:chExt cx="0" cy="0"/>
+        </a:xfrm>
+      </p:grpSpPr>
+      <p:sp>
+        <p:nvSpPr>
+          <p:cNvPr id="2" name="页眉占位符 1"/>
+          <p:cNvSpPr>
+            <a:spLocks noGrp="1"/>
+          </p:cNvSpPr>
+          <p:nvPr>
+            <p:ph type="hdr" sz="quarter"/>
+          </p:nvPr>
+        </p:nvSpPr>
+        <p:spPr>
+          <a:xfrm>
+            <a:off x="0" y="0"/>
+            <a:ext cx="2971800" cy="458788"/>
+          </a:xfrm>
+          <a:prstGeom prst="rect">
+            <a:avLst/>
+          </a:prstGeom>
+        </p:spPr>
+        <p:txBody>
+          <a:bodyPr vert="horz" lIns="91440" tIns="45720" rIns="91440" bIns="45720" rtlCol="0"/>
+          <a:lstStyle>
+            <a:lvl1pPr algn="l">
+              <a:defRPr sz="1200"/>
+            </a:lvl1pPr>
+          </a:lstStyle>
+          <a:p>
+            <a:endParaRPr lang="zh-CN" altLang="en-US"/>
+          </a:p>
+        </p:txBody>
+      </p:sp>
+      <p:sp>
+        <p:nvSpPr>
+          <p:cNvPr id="3" name="日期占位符 2"/>
+          <p:cNvSpPr>
+            <a:spLocks noGrp="1"/>
+          </p:cNvSpPr>
+          <p:nvPr>
+            <p:ph type="dt" idx="1"/>
+          </p:nvPr>
+        </p:nvSpPr>
+        <p:spPr>
+          <a:xfrm>
+            <a:off x="3884613" y="0"/>
+            <a:ext cx="2971800" cy="458788"/>
+          </a:xfrm>
+          <a:prstGeom prst="rect">
+            <a:avLst/>
+          </a:prstGeom>
+        </p:spPr>
+        <p:txBody>
+          <a:bodyPr vert="horz" lIns="91440" tIns="45720" rIns="91440" bIns="45720" rtlCol="0"/>
+          <a:lstStyle>
+            <a:lvl1pPr algn="r">
+              <a:defRPr sz="1200"/>
+            </a:lvl1pPr>
+          </a:lstStyle>
+          <a:p>
+            <a:fld id="{02B24899-167C-4144-8D13-035D5F4A701D}" type="datetimeFigureOut">
+              <a:rPr lang="zh-CN" altLang="en-US" smtClean="0"/>
+              <a:t>2018/8/26</a:t>
+            </a:fld>
+            <a:endParaRPr lang="zh-CN" altLang="en-US"/>
+          </a:p>
+        </p:txBody>
+      </p:sp>
+      <p:sp>
+        <p:nvSpPr>
+          <p:cNvPr id="4" name="幻灯片图像占位符 3"/>
+          <p:cNvSpPr>
+            <a:spLocks noGrp="1" noRot="1" noChangeAspect="1"/>
+          </p:cNvSpPr>
+          <p:nvPr>
+            <p:ph type="sldImg" idx="2"/>
+          </p:nvPr>
+        </p:nvSpPr>
+        <p:spPr>
+          <a:xfrm>
+            <a:off x="685800" y="1143000"/>
+            <a:ext cx="5486400" cy="3086100"/>
+          </a:xfrm>
+          <a:prstGeom prst="rect">
+            <a:avLst/>
+          </a:prstGeom>
+          <a:noFill/>
+          <a:ln w="12700">
+            <a:solidFill>
+              <a:prstClr val="black"/>
+            </a:solidFill>
+          </a:ln>
+        </p:spPr>
+        <p:txBody>
+          <a:bodyPr vert="horz" lIns="91440" tIns="45720" rIns="91440" bIns="45720" rtlCol="0" anchor="ctr"/>
+          <a:lstStyle/>
+          <a:p>
+            <a:endParaRPr lang="zh-CN" altLang="en-US"/>
+          </a:p>
+        </p:txBody>
+      </p:sp>
+      <p:sp>
+        <p:nvSpPr>
+          <p:cNvPr id="5" name="备注占位符 4"/>
+          <p:cNvSpPr>
+            <a:spLocks noGrp="1"/>
+          </p:cNvSpPr>
+          <p:nvPr>
+            <p:ph type="body" sz="quarter" idx="3"/>
+          </p:nvPr>
+        </p:nvSpPr>
+        <p:spPr>
+          <a:xfrm>
+            <a:off x="685800" y="4400550"/>
+            <a:ext cx="5486400" cy="3600450"/>
+          </a:xfrm>
+          <a:prstGeom prst="rect">
+            <a:avLst/>
+          </a:prstGeom>
+        </p:spPr>
+        <p:txBody>
+          <a:bodyPr vert="horz" lIns="91440" tIns="45720" rIns="91440" bIns="45720" rtlCol="0"/>
+          <a:lstStyle/>
+          <a:p>
+            <a:pPr lvl="0"/>
+            <a:r>
+              <a:rPr lang="zh-CN" altLang="en-US"/>
+              <a:t>编辑母版文本样式</a:t>
+            </a:r>
+          </a:p>
+          <a:p>
+            <a:pPr lvl="1"/>
+            <a:r>
+              <a:rPr lang="zh-CN" altLang="en-US"/>
+              <a:t>第二级</a:t>
+            </a:r>
+          </a:p>
+          <a:p>
+            <a:pPr lvl="2"/>
+            <a:r>
+              <a:rPr lang="zh-CN" altLang="en-US"/>
+              <a:t>第三级</a:t>
+            </a:r>
+          </a:p>
+          <a:p>
+            <a:pPr lvl="3"/>
+            <a:r>
+              <a:rPr lang="zh-CN" altLang="en-US"/>
+              <a:t>第四级</a:t>
+            </a:r>
+          </a:p>
+          <a:p>
+            <a:pPr lvl="4"/>
+            <a:r>
+              <a:rPr lang="zh-CN" altLang="en-US"/>
+              <a:t>第五级</a:t>
+            </a:r>
+          </a:p>
+        </p:txBody>
+      </p:sp>
+      <p:sp>
+        <p:nvSpPr>
+          <p:cNvPr id="6" name="页脚占位符 5"/>
+          <p:cNvSpPr>
+            <a:spLocks noGrp="1"/>
+          </p:cNvSpPr>
+          <p:nvPr>
+            <p:ph type="ftr" sz="quarter" idx="4"/>
+          </p:nvPr>
+        </p:nvSpPr>
+        <p:spPr>
+          <a:xfrm>
+            <a:off x="0" y="8685213"/>
+            <a:ext cx="2971800" cy="458787"/>
+          </a:xfrm>
+          <a:prstGeom prst="rect">
+            <a:avLst/>
+          </a:prstGeom>
+        </p:spPr>
+        <p:txBody>
+          <a:bodyPr vert="horz" lIns="91440" tIns="45720" rIns="91440" bIns="45720" rtlCol="0" anchor="b"/>
+          <a:lstStyle>
+            <a:lvl1pPr algn="l">
+              <a:defRPr sz="1200"/>
+            </a:lvl1pPr>
+          </a:lstStyle>
+          <a:p>
+            <a:endParaRPr lang="zh-CN" altLang="en-US"/>
+          </a:p>
+        </p:txBody>
+      </p:sp>
+      <p:sp>
+        <p:nvSpPr>
+          <p:cNvPr id="7" name="灯片编号占位符 6"/>
+          <p:cNvSpPr>
+            <a:spLocks noGrp="1"/>
+          </p:cNvSpPr>
+          <p:nvPr>
+            <p:ph type="sldNum" sz="quarter" idx="5"/>
+          </p:nvPr>
+        </p:nvSpPr>
+        <p:spPr>
+          <a:xfrm>
+            <a:off x="3884613" y="8685213"/>
+            <a:ext cx="2971800" cy="458787"/>
+          </a:xfrm>
+          <a:prstGeom prst="rect">
+            <a:avLst/>
+          </a:prstGeom>
+        </p:spPr>
+        <p:txBody>
+          <a:bodyPr vert="horz" lIns="91440" tIns="45720" rIns="91440" bIns="45720" rtlCol="0" anchor="b"/>
+          <a:lstStyle>
+            <a:lvl1pPr algn="r">
+              <a:defRPr sz="1200"/>
+            </a:lvl1pPr>
+          </a:lstStyle>
+          <a:p>
+            <a:fld id="{FB7F16B5-72D0-4F78-96D3-0B7D76C70111}" type="slidenum">
+              <a:rPr lang="zh-CN" altLang="en-US" smtClean="0"/>
+              <a:t>‹#›</a:t>
+            </a:fld>
+            <a:endParaRPr lang="zh-CN" altLang="en-US"/>
+          </a:p>
+        </p:txBody>
+      </p:sp>
+    </p:spTree>
+    <p:extLst>
+      <p:ext uri="{BB962C8B-B14F-4D97-AF65-F5344CB8AC3E}">
+        <p14:creationId xmlns:p14="http://schemas.microsoft.com/office/powerpoint/2010/main" val="1096114046"/>
+      </p:ext>
+    </p:extLst>
+  </p:cSld>
+  <p:clrMap bg1="lt1" tx1="dk1" bg2="lt2" tx2="dk2" accent1="accent1" accent2="accent2" accent3="accent3" accent4="accent4" accent5="accent5" accent6="accent6" hlink="hlink" folHlink="folHlink"/>
+  <p:notesStyle>
+    <a:lvl1pPr marL="0" algn="l" defTabSz="914400" rtl="0" eaLnBrk="1" latinLnBrk="0" hangingPunct="1">
+      <a:defRPr sz="1200" kern="1200">
+        <a:solidFill>
+          <a:schemeClr val="tx1"/>
+        </a:solidFill>
+        <a:latin typeface="+mn-lt"/>
+        <a:ea typeface="+mn-ea"/>
+        <a:cs typeface="+mn-cs"/>
+      </a:defRPr>
+    </a:lvl1pPr>
+    <a:lvl2pPr marL="457200" algn="l" defTabSz="914400" rtl="0" eaLnBrk="1" latinLnBrk="0" hangingPunct="1">
+      <a:defRPr sz="1200" kern="1200">
+        <a:solidFill>
+          <a:schemeClr val="tx1"/>
+        </a:solidFill>
+        <a:latin typeface="+mn-lt"/>
+        <a:ea typeface="+mn-ea"/>
+        <a:cs typeface="+mn-cs"/>
+      </a:defRPr>
+    </a:lvl2pPr>
+    <a:lvl3pPr marL="914400" algn="l" defTabSz="914400" rtl="0" eaLnBrk="1" latinLnBrk="0" hangingPunct="1">
+      <a:defRPr sz="1200" kern="1200">
+        <a:solidFill>
+          <a:schemeClr val="tx1"/>
+        </a:solidFill>
+        <a:latin typeface="+mn-lt"/>
+        <a:ea typeface="+mn-ea"/>
+        <a:cs typeface="+mn-cs"/>
+      </a:defRPr>
+    </a:lvl3pPr>
+    <a:lvl4pPr marL="1371600" algn="l" defTabSz="914400" rtl="0" eaLnBrk="1" latinLnBrk="0" hangingPunct="1">
+      <a:defRPr sz="1200" kern="1200">
+        <a:solidFill>
+          <a:schemeClr val="tx1"/>
+        </a:solidFill>
+        <a:latin typeface="+mn-lt"/>
+        <a:ea typeface="+mn-ea"/>
+        <a:cs typeface="+mn-cs"/>
+      </a:defRPr>
+    </a:lvl4pPr>
+    <a:lvl5pPr marL="1828800" algn="l" defTabSz="914400" rtl="0" eaLnBrk="1" latinLnBrk="0" hangingPunct="1">
+      <a:defRPr sz="1200" kern="1200">
+        <a:solidFill>
+          <a:schemeClr val="tx1"/>
+        </a:solidFill>
+        <a:latin typeface="+mn-lt"/>
+        <a:ea typeface="+mn-ea"/>
+        <a:cs typeface="+mn-cs"/>
+      </a:defRPr>
+    </a:lvl5pPr>
+    <a:lvl6pPr marL="2286000" algn="l" defTabSz="914400" rtl="0" eaLnBrk="1" latinLnBrk="0" hangingPunct="1">
+      <a:defRPr sz="1200" kern="1200">
+        <a:solidFill>
+          <a:schemeClr val="tx1"/>
+        </a:solidFill>
+        <a:latin typeface="+mn-lt"/>
+        <a:ea typeface="+mn-ea"/>
+        <a:cs typeface="+mn-cs"/>
+      </a:defRPr>
+    </a:lvl6pPr>
+    <a:lvl7pPr marL="2743200" algn="l" defTabSz="914400" rtl="0" eaLnBrk="1" latinLnBrk="0" hangingPunct="1">
+      <a:defRPr sz="1200" kern="1200">
+        <a:solidFill>
+          <a:schemeClr val="tx1"/>
+        </a:solidFill>
+        <a:latin typeface="+mn-lt"/>
+        <a:ea typeface="+mn-ea"/>
+        <a:cs typeface="+mn-cs"/>
+      </a:defRPr>
+    </a:lvl7pPr>
+    <a:lvl8pPr marL="3200400" algn="l" defTabSz="914400" rtl="0" eaLnBrk="1" latinLnBrk="0" hangingPunct="1">
+      <a:defRPr sz="1200" kern="1200">
+        <a:solidFill>
+          <a:schemeClr val="tx1"/>
+        </a:solidFill>
+        <a:latin typeface="+mn-lt"/>
+        <a:ea typeface="+mn-ea"/>
+        <a:cs typeface="+mn-cs"/>
+      </a:defRPr>
+    </a:lvl8pPr>
+    <a:lvl9pPr marL="3657600" algn="l" defTabSz="914400" rtl="0" eaLnBrk="1" latinLnBrk="0" hangingPunct="1">
+      <a:defRPr sz="1200" kern="1200">
+        <a:solidFill>
+          <a:schemeClr val="tx1"/>
+        </a:solidFill>
+        <a:latin typeface="+mn-lt"/>
+        <a:ea typeface="+mn-ea"/>
+        <a:cs typeface="+mn-cs"/>
+      </a:defRPr>
+    </a:lvl9pPr>
+  </p:notesStyle>
+</p:notesMaster>
+</file>
+
+<file path=ppt/notesSlides/notesSlide1.xml><?xml version="1.0" encoding="utf-8"?>
+<p:notes xmlns:a="http://schemas.openxmlformats.org/drawingml/2006/main" xmlns:r="http://schemas.openxmlformats.org/officeDocument/2006/relationships" xmlns:p="http://schemas.openxmlformats.org/presentationml/2006/main">
+  <p:cSld>
+    <p:spTree>
+      <p:nvGrpSpPr>
+        <p:cNvPr id="1" name=""/>
+        <p:cNvGrpSpPr/>
+        <p:nvPr/>
+      </p:nvGrpSpPr>
+      <p:grpSpPr>
+        <a:xfrm>
+          <a:off x="0" y="0"/>
+          <a:ext cx="0" cy="0"/>
+          <a:chOff x="0" y="0"/>
+          <a:chExt cx="0" cy="0"/>
+        </a:xfrm>
+      </p:grpSpPr>
+      <p:sp>
+        <p:nvSpPr>
+          <p:cNvPr id="2" name="幻灯片图像占位符 1"/>
+          <p:cNvSpPr>
+            <a:spLocks noGrp="1" noRot="1" noChangeAspect="1"/>
+          </p:cNvSpPr>
+          <p:nvPr>
+            <p:ph type="sldImg"/>
+          </p:nvPr>
+        </p:nvSpPr>
+        <p:spPr/>
+      </p:sp>
+      <p:sp>
+        <p:nvSpPr>
+          <p:cNvPr id="3" name="备注占位符 2"/>
+          <p:cNvSpPr>
+            <a:spLocks noGrp="1"/>
+          </p:cNvSpPr>
+          <p:nvPr>
+            <p:ph type="body" idx="1"/>
+          </p:nvPr>
+        </p:nvSpPr>
+        <p:spPr/>
+        <p:txBody>
+          <a:bodyPr/>
+          <a:lstStyle/>
+          <a:p>
+            <a:endParaRPr lang="zh-CN" altLang="en-US" dirty="0"/>
+          </a:p>
+        </p:txBody>
+      </p:sp>
+      <p:sp>
+        <p:nvSpPr>
+          <p:cNvPr id="4" name="灯片编号占位符 3"/>
+          <p:cNvSpPr>
+            <a:spLocks noGrp="1"/>
+          </p:cNvSpPr>
+          <p:nvPr>
+            <p:ph type="sldNum" sz="quarter" idx="10"/>
+          </p:nvPr>
+        </p:nvSpPr>
+        <p:spPr/>
+        <p:txBody>
+          <a:bodyPr/>
+          <a:lstStyle/>
+          <a:p>
+            <a:fld id="{FB7F16B5-72D0-4F78-96D3-0B7D76C70111}" type="slidenum">
+              <a:rPr lang="zh-CN" altLang="en-US" smtClean="0"/>
+              <a:t>1</a:t>
+            </a:fld>
+            <a:endParaRPr lang="zh-CN" altLang="en-US"/>
+          </a:p>
+        </p:txBody>
+      </p:sp>
+    </p:spTree>
+    <p:extLst>
+      <p:ext uri="{BB962C8B-B14F-4D97-AF65-F5344CB8AC3E}">
+        <p14:creationId xmlns:p14="http://schemas.microsoft.com/office/powerpoint/2010/main" val="557206736"/>
+      </p:ext>
+    </p:extLst>
+  </p:cSld>
+  <p:clrMapOvr>
+    <a:masterClrMapping/>
+  </p:clrMapOvr>
+</p:notes>
+</file>
+
+<file path=ppt/notesSlides/notesSlide2.xml><?xml version="1.0" encoding="utf-8"?>
+<p:notes xmlns:a="http://schemas.openxmlformats.org/drawingml/2006/main" xmlns:r="http://schemas.openxmlformats.org/officeDocument/2006/relationships" xmlns:p="http://schemas.openxmlformats.org/presentationml/2006/main">
+  <p:cSld>
+    <p:spTree>
+      <p:nvGrpSpPr>
+        <p:cNvPr id="1" name=""/>
+        <p:cNvGrpSpPr/>
+        <p:nvPr/>
+      </p:nvGrpSpPr>
+      <p:grpSpPr>
+        <a:xfrm>
+          <a:off x="0" y="0"/>
+          <a:ext cx="0" cy="0"/>
+          <a:chOff x="0" y="0"/>
+          <a:chExt cx="0" cy="0"/>
+        </a:xfrm>
+      </p:grpSpPr>
+      <p:sp>
+        <p:nvSpPr>
+          <p:cNvPr id="2" name="幻灯片图像占位符 1"/>
+          <p:cNvSpPr>
+            <a:spLocks noGrp="1" noRot="1" noChangeAspect="1"/>
+          </p:cNvSpPr>
+          <p:nvPr>
+            <p:ph type="sldImg"/>
+          </p:nvPr>
+        </p:nvSpPr>
+        <p:spPr/>
+      </p:sp>
+      <p:sp>
+        <p:nvSpPr>
+          <p:cNvPr id="3" name="备注占位符 2"/>
+          <p:cNvSpPr>
+            <a:spLocks noGrp="1"/>
+          </p:cNvSpPr>
+          <p:nvPr>
+            <p:ph type="body" idx="1"/>
+          </p:nvPr>
+        </p:nvSpPr>
+        <p:spPr/>
+        <p:txBody>
+          <a:bodyPr/>
+          <a:lstStyle/>
+          <a:p>
+            <a:r>
+              <a:rPr lang="zh-CN" altLang="en-US" dirty="0"/>
+              <a:t>中餐的调味一直是玄学，网上的菜谱中，对于调味料的描述一直是很模糊的，用词基本是适量、少许、半勺。一款好吃的秘制调料往往也能成为一家店人气是否旺的关键。</a:t>
+            </a:r>
+          </a:p>
+        </p:txBody>
+      </p:sp>
+      <p:sp>
+        <p:nvSpPr>
+          <p:cNvPr id="4" name="灯片编号占位符 3"/>
+          <p:cNvSpPr>
+            <a:spLocks noGrp="1"/>
+          </p:cNvSpPr>
+          <p:nvPr>
+            <p:ph type="sldNum" sz="quarter" idx="10"/>
+          </p:nvPr>
+        </p:nvSpPr>
+        <p:spPr/>
+        <p:txBody>
+          <a:bodyPr/>
+          <a:lstStyle/>
+          <a:p>
+            <a:fld id="{FB7F16B5-72D0-4F78-96D3-0B7D76C70111}" type="slidenum">
+              <a:rPr lang="zh-CN" altLang="en-US" smtClean="0"/>
+              <a:t>3</a:t>
+            </a:fld>
+            <a:endParaRPr lang="zh-CN" altLang="en-US"/>
+          </a:p>
+        </p:txBody>
+      </p:sp>
+    </p:spTree>
+    <p:extLst>
+      <p:ext uri="{BB962C8B-B14F-4D97-AF65-F5344CB8AC3E}">
+        <p14:creationId xmlns:p14="http://schemas.microsoft.com/office/powerpoint/2010/main" val="1928922399"/>
+      </p:ext>
+    </p:extLst>
+  </p:cSld>
+  <p:clrMapOvr>
+    <a:masterClrMapping/>
+  </p:clrMapOvr>
+</p:notes>
+</file>
+
+<file path=ppt/notesSlides/notesSlide3.xml><?xml version="1.0" encoding="utf-8"?>
+<p:notes xmlns:a="http://schemas.openxmlformats.org/drawingml/2006/main" xmlns:r="http://schemas.openxmlformats.org/officeDocument/2006/relationships" xmlns:p="http://schemas.openxmlformats.org/presentationml/2006/main">
+  <p:cSld>
+    <p:spTree>
+      <p:nvGrpSpPr>
+        <p:cNvPr id="1" name=""/>
+        <p:cNvGrpSpPr/>
+        <p:nvPr/>
+      </p:nvGrpSpPr>
+      <p:grpSpPr>
+        <a:xfrm>
+          <a:off x="0" y="0"/>
+          <a:ext cx="0" cy="0"/>
+          <a:chOff x="0" y="0"/>
+          <a:chExt cx="0" cy="0"/>
+        </a:xfrm>
+      </p:grpSpPr>
+      <p:sp>
+        <p:nvSpPr>
+          <p:cNvPr id="2" name="幻灯片图像占位符 1"/>
+          <p:cNvSpPr>
+            <a:spLocks noGrp="1" noRot="1" noChangeAspect="1"/>
+          </p:cNvSpPr>
+          <p:nvPr>
+            <p:ph type="sldImg"/>
+          </p:nvPr>
+        </p:nvSpPr>
+        <p:spPr/>
+      </p:sp>
+      <p:sp>
+        <p:nvSpPr>
+          <p:cNvPr id="3" name="备注占位符 2"/>
+          <p:cNvSpPr>
+            <a:spLocks noGrp="1"/>
+          </p:cNvSpPr>
+          <p:nvPr>
+            <p:ph type="body" idx="1"/>
+          </p:nvPr>
+        </p:nvSpPr>
+        <p:spPr/>
+        <p:txBody>
+          <a:bodyPr/>
+          <a:lstStyle/>
+          <a:p>
+            <a:endParaRPr lang="zh-CN" altLang="en-US" dirty="0"/>
+          </a:p>
+        </p:txBody>
+      </p:sp>
+      <p:sp>
+        <p:nvSpPr>
+          <p:cNvPr id="4" name="灯片编号占位符 3"/>
+          <p:cNvSpPr>
+            <a:spLocks noGrp="1"/>
+          </p:cNvSpPr>
+          <p:nvPr>
+            <p:ph type="sldNum" sz="quarter" idx="10"/>
+          </p:nvPr>
+        </p:nvSpPr>
+        <p:spPr/>
+        <p:txBody>
+          <a:bodyPr/>
+          <a:lstStyle/>
+          <a:p>
+            <a:fld id="{FB7F16B5-72D0-4F78-96D3-0B7D76C70111}" type="slidenum">
+              <a:rPr lang="zh-CN" altLang="en-US" smtClean="0"/>
+              <a:t>4</a:t>
+            </a:fld>
+            <a:endParaRPr lang="zh-CN" altLang="en-US"/>
+          </a:p>
+        </p:txBody>
+      </p:sp>
+    </p:spTree>
+    <p:extLst>
+      <p:ext uri="{BB962C8B-B14F-4D97-AF65-F5344CB8AC3E}">
+        <p14:creationId xmlns:p14="http://schemas.microsoft.com/office/powerpoint/2010/main" val="1547757015"/>
+      </p:ext>
+    </p:extLst>
+  </p:cSld>
+  <p:clrMapOvr>
+    <a:masterClrMapping/>
+  </p:clrMapOvr>
+</p:notes>
 </file>
 
 <file path=ppt/slideLayouts/slideLayout1.xml><?xml version="1.0" encoding="utf-8"?>
@@ -3478,6 +4096,510 @@
 </p:sld>
 </file>
 
+<file path=ppt/slides/slide3.xml><?xml version="1.0" encoding="utf-8"?>
+<p:sld xmlns:a="http://schemas.openxmlformats.org/drawingml/2006/main" xmlns:r="http://schemas.openxmlformats.org/officeDocument/2006/relationships" xmlns:p="http://schemas.openxmlformats.org/presentationml/2006/main">
+  <p:cSld>
+    <p:spTree>
+      <p:nvGrpSpPr>
+        <p:cNvPr id="1" name=""/>
+        <p:cNvGrpSpPr/>
+        <p:nvPr/>
+      </p:nvGrpSpPr>
+      <p:grpSpPr>
+        <a:xfrm>
+          <a:off x="0" y="0"/>
+          <a:ext cx="0" cy="0"/>
+          <a:chOff x="0" y="0"/>
+          <a:chExt cx="0" cy="0"/>
+        </a:xfrm>
+      </p:grpSpPr>
+      <p:sp>
+        <p:nvSpPr>
+          <p:cNvPr id="2" name="标题 1">
+            <a:extLst>
+              <a:ext uri="{FF2B5EF4-FFF2-40B4-BE49-F238E27FC236}">
+                <a16:creationId xmlns:a16="http://schemas.microsoft.com/office/drawing/2014/main" id="{CB895503-5BE7-4FF4-9181-C8676F040AF7}"/>
+              </a:ext>
+            </a:extLst>
+          </p:cNvPr>
+          <p:cNvSpPr>
+            <a:spLocks noGrp="1"/>
+          </p:cNvSpPr>
+          <p:nvPr>
+            <p:ph type="title"/>
+          </p:nvPr>
+        </p:nvSpPr>
+        <p:spPr/>
+        <p:txBody>
+          <a:bodyPr/>
+          <a:lstStyle/>
+          <a:p>
+            <a:r>
+              <a:rPr lang="zh-CN" altLang="en-US" dirty="0"/>
+              <a:t>做菜调味是玄学</a:t>
+            </a:r>
+          </a:p>
+        </p:txBody>
+      </p:sp>
+      <p:sp>
+        <p:nvSpPr>
+          <p:cNvPr id="3" name="内容占位符 2">
+            <a:extLst>
+              <a:ext uri="{FF2B5EF4-FFF2-40B4-BE49-F238E27FC236}">
+                <a16:creationId xmlns:a16="http://schemas.microsoft.com/office/drawing/2014/main" id="{322E1473-9C30-4EE0-AAD0-91CF30D88C43}"/>
+              </a:ext>
+            </a:extLst>
+          </p:cNvPr>
+          <p:cNvSpPr>
+            <a:spLocks noGrp="1"/>
+          </p:cNvSpPr>
+          <p:nvPr>
+            <p:ph idx="1"/>
+          </p:nvPr>
+        </p:nvSpPr>
+        <p:spPr/>
+        <p:txBody>
+          <a:bodyPr/>
+          <a:lstStyle/>
+          <a:p>
+            <a:r>
+              <a:rPr lang="zh-CN" altLang="en-US" dirty="0"/>
+              <a:t>配图一个菜谱，上面配料用词都是适量、少许、半勺。旁边配图一个人一脸懵逼的样子。</a:t>
+            </a:r>
+          </a:p>
+        </p:txBody>
+      </p:sp>
+    </p:spTree>
+    <p:extLst>
+      <p:ext uri="{BB962C8B-B14F-4D97-AF65-F5344CB8AC3E}">
+        <p14:creationId xmlns:p14="http://schemas.microsoft.com/office/powerpoint/2010/main" val="1832138079"/>
+      </p:ext>
+    </p:extLst>
+  </p:cSld>
+  <p:clrMapOvr>
+    <a:masterClrMapping/>
+  </p:clrMapOvr>
+</p:sld>
+</file>
+
+<file path=ppt/slides/slide4.xml><?xml version="1.0" encoding="utf-8"?>
+<p:sld xmlns:a="http://schemas.openxmlformats.org/drawingml/2006/main" xmlns:r="http://schemas.openxmlformats.org/officeDocument/2006/relationships" xmlns:p="http://schemas.openxmlformats.org/presentationml/2006/main">
+  <p:cSld>
+    <p:spTree>
+      <p:nvGrpSpPr>
+        <p:cNvPr id="1" name=""/>
+        <p:cNvGrpSpPr/>
+        <p:nvPr/>
+      </p:nvGrpSpPr>
+      <p:grpSpPr>
+        <a:xfrm>
+          <a:off x="0" y="0"/>
+          <a:ext cx="0" cy="0"/>
+          <a:chOff x="0" y="0"/>
+          <a:chExt cx="0" cy="0"/>
+        </a:xfrm>
+      </p:grpSpPr>
+      <p:sp>
+        <p:nvSpPr>
+          <p:cNvPr id="2" name="标题 1">
+            <a:extLst>
+              <a:ext uri="{FF2B5EF4-FFF2-40B4-BE49-F238E27FC236}">
+                <a16:creationId xmlns:a16="http://schemas.microsoft.com/office/drawing/2014/main" id="{9C0F083F-5A37-4524-97EC-BB772B9D3435}"/>
+              </a:ext>
+            </a:extLst>
+          </p:cNvPr>
+          <p:cNvSpPr>
+            <a:spLocks noGrp="1"/>
+          </p:cNvSpPr>
+          <p:nvPr>
+            <p:ph type="title"/>
+          </p:nvPr>
+        </p:nvSpPr>
+        <p:spPr/>
+        <p:txBody>
+          <a:bodyPr/>
+          <a:lstStyle/>
+          <a:p>
+            <a:r>
+              <a:rPr lang="zh-CN" altLang="en-US" dirty="0"/>
+              <a:t>一个家庭多种口味偏好</a:t>
+            </a:r>
+          </a:p>
+        </p:txBody>
+      </p:sp>
+      <p:sp>
+        <p:nvSpPr>
+          <p:cNvPr id="3" name="内容占位符 2">
+            <a:extLst>
+              <a:ext uri="{FF2B5EF4-FFF2-40B4-BE49-F238E27FC236}">
+                <a16:creationId xmlns:a16="http://schemas.microsoft.com/office/drawing/2014/main" id="{6F1FE1BC-BA1D-42DB-AF77-7A669F9589C0}"/>
+              </a:ext>
+            </a:extLst>
+          </p:cNvPr>
+          <p:cNvSpPr>
+            <a:spLocks noGrp="1"/>
+          </p:cNvSpPr>
+          <p:nvPr>
+            <p:ph idx="1"/>
+          </p:nvPr>
+        </p:nvSpPr>
+        <p:spPr/>
+        <p:txBody>
+          <a:bodyPr/>
+          <a:lstStyle/>
+          <a:p>
+            <a:r>
+              <a:rPr lang="zh-CN" altLang="en-US" dirty="0"/>
+              <a:t>俗话说：南甜北咸东辣西酸</a:t>
+            </a:r>
+          </a:p>
+        </p:txBody>
+      </p:sp>
+    </p:spTree>
+    <p:extLst>
+      <p:ext uri="{BB962C8B-B14F-4D97-AF65-F5344CB8AC3E}">
+        <p14:creationId xmlns:p14="http://schemas.microsoft.com/office/powerpoint/2010/main" val="3246884170"/>
+      </p:ext>
+    </p:extLst>
+  </p:cSld>
+  <p:clrMapOvr>
+    <a:masterClrMapping/>
+  </p:clrMapOvr>
+</p:sld>
+</file>
+
+<file path=ppt/slides/slide5.xml><?xml version="1.0" encoding="utf-8"?>
+<p:sld xmlns:a="http://schemas.openxmlformats.org/drawingml/2006/main" xmlns:r="http://schemas.openxmlformats.org/officeDocument/2006/relationships" xmlns:p="http://schemas.openxmlformats.org/presentationml/2006/main">
+  <p:cSld>
+    <p:spTree>
+      <p:nvGrpSpPr>
+        <p:cNvPr id="1" name=""/>
+        <p:cNvGrpSpPr/>
+        <p:nvPr/>
+      </p:nvGrpSpPr>
+      <p:grpSpPr>
+        <a:xfrm>
+          <a:off x="0" y="0"/>
+          <a:ext cx="0" cy="0"/>
+          <a:chOff x="0" y="0"/>
+          <a:chExt cx="0" cy="0"/>
+        </a:xfrm>
+      </p:grpSpPr>
+      <p:sp>
+        <p:nvSpPr>
+          <p:cNvPr id="2" name="标题 1">
+            <a:extLst>
+              <a:ext uri="{FF2B5EF4-FFF2-40B4-BE49-F238E27FC236}">
+                <a16:creationId xmlns:a16="http://schemas.microsoft.com/office/drawing/2014/main" id="{25F67706-9DBB-44B8-8294-9D114F65EBD8}"/>
+              </a:ext>
+            </a:extLst>
+          </p:cNvPr>
+          <p:cNvSpPr>
+            <a:spLocks noGrp="1"/>
+          </p:cNvSpPr>
+          <p:nvPr>
+            <p:ph type="title"/>
+          </p:nvPr>
+        </p:nvSpPr>
+        <p:spPr/>
+        <p:txBody>
+          <a:bodyPr/>
+          <a:lstStyle/>
+          <a:p>
+            <a:r>
+              <a:rPr lang="zh-CN" altLang="en-US" dirty="0"/>
+              <a:t>健康</a:t>
+            </a:r>
+            <a:r>
+              <a:rPr lang="en-US" altLang="zh-CN" dirty="0"/>
+              <a:t>(</a:t>
+            </a:r>
+            <a:r>
+              <a:rPr lang="zh-CN" altLang="en-US" dirty="0"/>
+              <a:t>痛点</a:t>
+            </a:r>
+            <a:r>
+              <a:rPr lang="en-US" altLang="zh-CN" dirty="0"/>
+              <a:t>)</a:t>
+            </a:r>
+            <a:endParaRPr lang="zh-CN" altLang="en-US" dirty="0"/>
+          </a:p>
+        </p:txBody>
+      </p:sp>
+      <p:sp>
+        <p:nvSpPr>
+          <p:cNvPr id="3" name="内容占位符 2">
+            <a:extLst>
+              <a:ext uri="{FF2B5EF4-FFF2-40B4-BE49-F238E27FC236}">
+                <a16:creationId xmlns:a16="http://schemas.microsoft.com/office/drawing/2014/main" id="{F4C272CD-C64B-4FD3-9C72-98C324A9F5A0}"/>
+              </a:ext>
+            </a:extLst>
+          </p:cNvPr>
+          <p:cNvSpPr>
+            <a:spLocks noGrp="1"/>
+          </p:cNvSpPr>
+          <p:nvPr>
+            <p:ph idx="1"/>
+          </p:nvPr>
+        </p:nvSpPr>
+        <p:spPr/>
+        <p:txBody>
+          <a:bodyPr/>
+          <a:lstStyle/>
+          <a:p>
+            <a:r>
+              <a:rPr lang="zh-CN" altLang="en-US" dirty="0"/>
+              <a:t>低油低盐</a:t>
+            </a:r>
+          </a:p>
+        </p:txBody>
+      </p:sp>
+    </p:spTree>
+    <p:extLst>
+      <p:ext uri="{BB962C8B-B14F-4D97-AF65-F5344CB8AC3E}">
+        <p14:creationId xmlns:p14="http://schemas.microsoft.com/office/powerpoint/2010/main" val="1284450424"/>
+      </p:ext>
+    </p:extLst>
+  </p:cSld>
+  <p:clrMapOvr>
+    <a:masterClrMapping/>
+  </p:clrMapOvr>
+</p:sld>
+</file>
+
+<file path=ppt/slides/slide6.xml><?xml version="1.0" encoding="utf-8"?>
+<p:sld xmlns:a="http://schemas.openxmlformats.org/drawingml/2006/main" xmlns:r="http://schemas.openxmlformats.org/officeDocument/2006/relationships" xmlns:p="http://schemas.openxmlformats.org/presentationml/2006/main">
+  <p:cSld>
+    <p:spTree>
+      <p:nvGrpSpPr>
+        <p:cNvPr id="1" name=""/>
+        <p:cNvGrpSpPr/>
+        <p:nvPr/>
+      </p:nvGrpSpPr>
+      <p:grpSpPr>
+        <a:xfrm>
+          <a:off x="0" y="0"/>
+          <a:ext cx="0" cy="0"/>
+          <a:chOff x="0" y="0"/>
+          <a:chExt cx="0" cy="0"/>
+        </a:xfrm>
+      </p:grpSpPr>
+      <p:sp>
+        <p:nvSpPr>
+          <p:cNvPr id="2" name="标题 1">
+            <a:extLst>
+              <a:ext uri="{FF2B5EF4-FFF2-40B4-BE49-F238E27FC236}">
+                <a16:creationId xmlns:a16="http://schemas.microsoft.com/office/drawing/2014/main" id="{EA479251-6BB9-412E-9259-B997BC6AED9C}"/>
+              </a:ext>
+            </a:extLst>
+          </p:cNvPr>
+          <p:cNvSpPr>
+            <a:spLocks noGrp="1"/>
+          </p:cNvSpPr>
+          <p:nvPr>
+            <p:ph type="title"/>
+          </p:nvPr>
+        </p:nvSpPr>
+        <p:spPr>
+          <a:xfrm>
+            <a:off x="838200" y="2670241"/>
+            <a:ext cx="10515600" cy="1325563"/>
+          </a:xfrm>
+        </p:spPr>
+        <p:txBody>
+          <a:bodyPr/>
+          <a:lstStyle/>
+          <a:p>
+            <a:pPr algn="ctr"/>
+            <a:r>
+              <a:rPr lang="zh-CN" altLang="en-US" dirty="0"/>
+              <a:t>怎样解决这些问题呢？</a:t>
+            </a:r>
+          </a:p>
+        </p:txBody>
+      </p:sp>
+    </p:spTree>
+    <p:extLst>
+      <p:ext uri="{BB962C8B-B14F-4D97-AF65-F5344CB8AC3E}">
+        <p14:creationId xmlns:p14="http://schemas.microsoft.com/office/powerpoint/2010/main" val="2618786196"/>
+      </p:ext>
+    </p:extLst>
+  </p:cSld>
+  <p:clrMapOvr>
+    <a:masterClrMapping/>
+  </p:clrMapOvr>
+</p:sld>
+</file>
+
+<file path=ppt/slides/slide7.xml><?xml version="1.0" encoding="utf-8"?>
+<p:sld xmlns:a="http://schemas.openxmlformats.org/drawingml/2006/main" xmlns:r="http://schemas.openxmlformats.org/officeDocument/2006/relationships" xmlns:p="http://schemas.openxmlformats.org/presentationml/2006/main">
+  <p:cSld>
+    <p:spTree>
+      <p:nvGrpSpPr>
+        <p:cNvPr id="1" name=""/>
+        <p:cNvGrpSpPr/>
+        <p:nvPr/>
+      </p:nvGrpSpPr>
+      <p:grpSpPr>
+        <a:xfrm>
+          <a:off x="0" y="0"/>
+          <a:ext cx="0" cy="0"/>
+          <a:chOff x="0" y="0"/>
+          <a:chExt cx="0" cy="0"/>
+        </a:xfrm>
+      </p:grpSpPr>
+      <p:sp>
+        <p:nvSpPr>
+          <p:cNvPr id="2" name="标题 1">
+            <a:extLst>
+              <a:ext uri="{FF2B5EF4-FFF2-40B4-BE49-F238E27FC236}">
+                <a16:creationId xmlns:a16="http://schemas.microsoft.com/office/drawing/2014/main" id="{79D96425-9884-4CA5-A5ED-2E6738DE9A48}"/>
+              </a:ext>
+            </a:extLst>
+          </p:cNvPr>
+          <p:cNvSpPr>
+            <a:spLocks noGrp="1"/>
+          </p:cNvSpPr>
+          <p:nvPr>
+            <p:ph type="title"/>
+          </p:nvPr>
+        </p:nvSpPr>
+        <p:spPr/>
+        <p:txBody>
+          <a:bodyPr/>
+          <a:lstStyle/>
+          <a:p>
+            <a:r>
+              <a:rPr lang="zh-CN" altLang="en-US" dirty="0"/>
+              <a:t>精准</a:t>
+            </a:r>
+          </a:p>
+        </p:txBody>
+      </p:sp>
+      <p:sp>
+        <p:nvSpPr>
+          <p:cNvPr id="3" name="内容占位符 2">
+            <a:extLst>
+              <a:ext uri="{FF2B5EF4-FFF2-40B4-BE49-F238E27FC236}">
+                <a16:creationId xmlns:a16="http://schemas.microsoft.com/office/drawing/2014/main" id="{35B6807C-A27D-4D2B-8C9C-FE7AFB7EE899}"/>
+              </a:ext>
+            </a:extLst>
+          </p:cNvPr>
+          <p:cNvSpPr>
+            <a:spLocks noGrp="1"/>
+          </p:cNvSpPr>
+          <p:nvPr>
+            <p:ph idx="1"/>
+          </p:nvPr>
+        </p:nvSpPr>
+        <p:spPr/>
+        <p:txBody>
+          <a:bodyPr/>
+          <a:lstStyle/>
+          <a:p>
+            <a:r>
+              <a:rPr lang="zh-CN" altLang="en-US" dirty="0"/>
+              <a:t>精准的硬件</a:t>
+            </a:r>
+          </a:p>
+        </p:txBody>
+      </p:sp>
+    </p:spTree>
+    <p:extLst>
+      <p:ext uri="{BB962C8B-B14F-4D97-AF65-F5344CB8AC3E}">
+        <p14:creationId xmlns:p14="http://schemas.microsoft.com/office/powerpoint/2010/main" val="3029901907"/>
+      </p:ext>
+    </p:extLst>
+  </p:cSld>
+  <p:clrMapOvr>
+    <a:masterClrMapping/>
+  </p:clrMapOvr>
+</p:sld>
+</file>
+
+<file path=ppt/slides/slide8.xml><?xml version="1.0" encoding="utf-8"?>
+<p:sld xmlns:a="http://schemas.openxmlformats.org/drawingml/2006/main" xmlns:r="http://schemas.openxmlformats.org/officeDocument/2006/relationships" xmlns:p="http://schemas.openxmlformats.org/presentationml/2006/main">
+  <p:cSld>
+    <p:spTree>
+      <p:nvGrpSpPr>
+        <p:cNvPr id="1" name=""/>
+        <p:cNvGrpSpPr/>
+        <p:nvPr/>
+      </p:nvGrpSpPr>
+      <p:grpSpPr>
+        <a:xfrm>
+          <a:off x="0" y="0"/>
+          <a:ext cx="0" cy="0"/>
+          <a:chOff x="0" y="0"/>
+          <a:chExt cx="0" cy="0"/>
+        </a:xfrm>
+      </p:grpSpPr>
+      <p:sp>
+        <p:nvSpPr>
+          <p:cNvPr id="2" name="标题 1">
+            <a:extLst>
+              <a:ext uri="{FF2B5EF4-FFF2-40B4-BE49-F238E27FC236}">
+                <a16:creationId xmlns:a16="http://schemas.microsoft.com/office/drawing/2014/main" id="{5E6C1F74-2030-4ECD-B92C-D28B98374226}"/>
+              </a:ext>
+            </a:extLst>
+          </p:cNvPr>
+          <p:cNvSpPr>
+            <a:spLocks noGrp="1"/>
+          </p:cNvSpPr>
+          <p:nvPr>
+            <p:ph type="title"/>
+          </p:nvPr>
+        </p:nvSpPr>
+        <p:spPr/>
+        <p:txBody>
+          <a:bodyPr/>
+          <a:lstStyle/>
+          <a:p>
+            <a:r>
+              <a:rPr lang="zh-CN" altLang="en-US" dirty="0"/>
+              <a:t>自定义偏好</a:t>
+            </a:r>
+          </a:p>
+        </p:txBody>
+      </p:sp>
+      <p:sp>
+        <p:nvSpPr>
+          <p:cNvPr id="3" name="内容占位符 2">
+            <a:extLst>
+              <a:ext uri="{FF2B5EF4-FFF2-40B4-BE49-F238E27FC236}">
+                <a16:creationId xmlns:a16="http://schemas.microsoft.com/office/drawing/2014/main" id="{BE92872F-8F67-4137-AFD2-D7FCE15D08DE}"/>
+              </a:ext>
+            </a:extLst>
+          </p:cNvPr>
+          <p:cNvSpPr>
+            <a:spLocks noGrp="1"/>
+          </p:cNvSpPr>
+          <p:nvPr>
+            <p:ph idx="1"/>
+          </p:nvPr>
+        </p:nvSpPr>
+        <p:spPr/>
+        <p:txBody>
+          <a:bodyPr/>
+          <a:lstStyle/>
+          <a:p>
+            <a:endParaRPr lang="zh-CN" altLang="en-US"/>
+          </a:p>
+        </p:txBody>
+      </p:sp>
+    </p:spTree>
+    <p:extLst>
+      <p:ext uri="{BB962C8B-B14F-4D97-AF65-F5344CB8AC3E}">
+        <p14:creationId xmlns:p14="http://schemas.microsoft.com/office/powerpoint/2010/main" val="1915992514"/>
+      </p:ext>
+    </p:extLst>
+  </p:cSld>
+  <p:clrMapOvr>
+    <a:masterClrMapping/>
+  </p:clrMapOvr>
+</p:sld>
+</file>
+
 <file path=ppt/theme/theme1.xml><?xml version="1.0" encoding="utf-8"?>
 <a:theme xmlns:a="http://schemas.openxmlformats.org/drawingml/2006/main" name="Office 主题​​">
   <a:themeElements>
@@ -3771,4 +4893,299 @@
     </a:ext>
   </a:extLst>
 </a:theme>
+</file>
+
+<file path=ppt/theme/theme2.xml><?xml version="1.0" encoding="utf-8"?>
+<a:theme xmlns:a="http://schemas.openxmlformats.org/drawingml/2006/main" name="Office 主题​​">
+  <a:themeElements>
+    <a:clrScheme name="Office">
+      <a:dk1>
+        <a:sysClr val="windowText" lastClr="000000"/>
+      </a:dk1>
+      <a:lt1>
+        <a:sysClr val="window" lastClr="FFFFFF"/>
+      </a:lt1>
+      <a:dk2>
+        <a:srgbClr val="44546A"/>
+      </a:dk2>
+      <a:lt2>
+        <a:srgbClr val="E7E6E6"/>
+      </a:lt2>
+      <a:accent1>
+        <a:srgbClr val="4472C4"/>
+      </a:accent1>
+      <a:accent2>
+        <a:srgbClr val="ED7D31"/>
+      </a:accent2>
+      <a:accent3>
+        <a:srgbClr val="A5A5A5"/>
+      </a:accent3>
+      <a:accent4>
+        <a:srgbClr val="FFC000"/>
+      </a:accent4>
+      <a:accent5>
+        <a:srgbClr val="5B9BD5"/>
+      </a:accent5>
+      <a:accent6>
+        <a:srgbClr val="70AD47"/>
+      </a:accent6>
+      <a:hlink>
+        <a:srgbClr val="0563C1"/>
+      </a:hlink>
+      <a:folHlink>
+        <a:srgbClr val="954F72"/>
+      </a:folHlink>
+    </a:clrScheme>
+    <a:fontScheme name="Office">
+      <a:majorFont>
+        <a:latin typeface="等线 Light" panose="020F0302020204030204"/>
+        <a:ea typeface=""/>
+        <a:cs typeface=""/>
+        <a:font script="Jpan" typeface="游ゴシック Light"/>
+        <a:font script="Hang" typeface="맑은 고딕"/>
+        <a:font script="Hans" typeface="等线 Light"/>
+        <a:font script="Hant" typeface="新細明體"/>
+        <a:font script="Arab" typeface="Times New Roman"/>
+        <a:font script="Hebr" typeface="Times New Roman"/>
+        <a:font script="Thai" typeface="Angsana New"/>
+        <a:font script="Ethi" typeface="Nyala"/>
+        <a:font script="Beng" typeface="Vrinda"/>
+        <a:font script="Gujr" typeface="Shruti"/>
+        <a:font script="Khmr" typeface="MoolBoran"/>
+        <a:font script="Knda" typeface="Tunga"/>
+        <a:font script="Guru" typeface="Raavi"/>
+        <a:font script="Cans" typeface="Euphemia"/>
+        <a:font script="Cher" typeface="Plantagenet Cherokee"/>
+        <a:font script="Yiii" typeface="Microsoft Yi Baiti"/>
+        <a:font script="Tibt" typeface="Microsoft Himalaya"/>
+        <a:font script="Thaa" typeface="MV Boli"/>
+        <a:font script="Deva" typeface="Mangal"/>
+        <a:font script="Telu" typeface="Gautami"/>
+        <a:font script="Taml" typeface="Latha"/>
+        <a:font script="Syrc" typeface="Estrangelo Edessa"/>
+        <a:font script="Orya" typeface="Kalinga"/>
+        <a:font script="Mlym" typeface="Kartika"/>
+        <a:font script="Laoo" typeface="DokChampa"/>
+        <a:font script="Sinh" typeface="Iskoola Pota"/>
+        <a:font script="Mong" typeface="Mongolian Baiti"/>
+        <a:font script="Viet" typeface="Times New Roman"/>
+        <a:font script="Uigh" typeface="Microsoft Uighur"/>
+        <a:font script="Geor" typeface="Sylfaen"/>
+        <a:font script="Armn" typeface="Arial"/>
+        <a:font script="Bugi" typeface="Leelawadee UI"/>
+        <a:font script="Bopo" typeface="Microsoft JhengHei"/>
+        <a:font script="Java" typeface="Javanese Text"/>
+        <a:font script="Lisu" typeface="Segoe UI"/>
+        <a:font script="Mymr" typeface="Myanmar Text"/>
+        <a:font script="Nkoo" typeface="Ebrima"/>
+        <a:font script="Olck" typeface="Nirmala UI"/>
+        <a:font script="Osma" typeface="Ebrima"/>
+        <a:font script="Phag" typeface="Phagspa"/>
+        <a:font script="Syrn" typeface="Estrangelo Edessa"/>
+        <a:font script="Syrj" typeface="Estrangelo Edessa"/>
+        <a:font script="Syre" typeface="Estrangelo Edessa"/>
+        <a:font script="Sora" typeface="Nirmala UI"/>
+        <a:font script="Tale" typeface="Microsoft Tai Le"/>
+        <a:font script="Talu" typeface="Microsoft New Tai Lue"/>
+        <a:font script="Tfng" typeface="Ebrima"/>
+      </a:majorFont>
+      <a:minorFont>
+        <a:latin typeface="等线" panose="020F0502020204030204"/>
+        <a:ea typeface=""/>
+        <a:cs typeface=""/>
+        <a:font script="Jpan" typeface="游ゴシック"/>
+        <a:font script="Hang" typeface="맑은 고딕"/>
+        <a:font script="Hans" typeface="等线"/>
+        <a:font script="Hant" typeface="新細明體"/>
+        <a:font script="Arab" typeface="Arial"/>
+        <a:font script="Hebr" typeface="Arial"/>
+        <a:font script="Thai" typeface="Cordia New"/>
+        <a:font script="Ethi" typeface="Nyala"/>
+        <a:font script="Beng" typeface="Vrinda"/>
+        <a:font script="Gujr" typeface="Shruti"/>
+        <a:font script="Khmr" typeface="DaunPenh"/>
+        <a:font script="Knda" typeface="Tunga"/>
+        <a:font script="Guru" typeface="Raavi"/>
+        <a:font script="Cans" typeface="Euphemia"/>
+        <a:font script="Cher" typeface="Plantagenet Cherokee"/>
+        <a:font script="Yiii" typeface="Microsoft Yi Baiti"/>
+        <a:font script="Tibt" typeface="Microsoft Himalaya"/>
+        <a:font script="Thaa" typeface="MV Boli"/>
+        <a:font script="Deva" typeface="Mangal"/>
+        <a:font script="Telu" typeface="Gautami"/>
+        <a:font script="Taml" typeface="Latha"/>
+        <a:font script="Syrc" typeface="Estrangelo Edessa"/>
+        <a:font script="Orya" typeface="Kalinga"/>
+        <a:font script="Mlym" typeface="Kartika"/>
+        <a:font script="Laoo" typeface="DokChampa"/>
+        <a:font script="Sinh" typeface="Iskoola Pota"/>
+        <a:font script="Mong" typeface="Mongolian Baiti"/>
+        <a:font script="Viet" typeface="Arial"/>
+        <a:font script="Uigh" typeface="Microsoft Uighur"/>
+        <a:font script="Geor" typeface="Sylfaen"/>
+        <a:font script="Armn" typeface="Arial"/>
+        <a:font script="Bugi" typeface="Leelawadee UI"/>
+        <a:font script="Bopo" typeface="Microsoft JhengHei"/>
+        <a:font script="Java" typeface="Javanese Text"/>
+        <a:font script="Lisu" typeface="Segoe UI"/>
+        <a:font script="Mymr" typeface="Myanmar Text"/>
+        <a:font script="Nkoo" typeface="Ebrima"/>
+        <a:font script="Olck" typeface="Nirmala UI"/>
+        <a:font script="Osma" typeface="Ebrima"/>
+        <a:font script="Phag" typeface="Phagspa"/>
+        <a:font script="Syrn" typeface="Estrangelo Edessa"/>
+        <a:font script="Syrj" typeface="Estrangelo Edessa"/>
+        <a:font script="Syre" typeface="Estrangelo Edessa"/>
+        <a:font script="Sora" typeface="Nirmala UI"/>
+        <a:font script="Tale" typeface="Microsoft Tai Le"/>
+        <a:font script="Talu" typeface="Microsoft New Tai Lue"/>
+        <a:font script="Tfng" typeface="Ebrima"/>
+      </a:minorFont>
+    </a:fontScheme>
+    <a:fmtScheme name="Office">
+      <a:fillStyleLst>
+        <a:solidFill>
+          <a:schemeClr val="phClr"/>
+        </a:solidFill>
+        <a:gradFill rotWithShape="1">
+          <a:gsLst>
+            <a:gs pos="0">
+              <a:schemeClr val="phClr">
+                <a:lumMod val="110000"/>
+                <a:satMod val="105000"/>
+                <a:tint val="67000"/>
+              </a:schemeClr>
+            </a:gs>
+            <a:gs pos="50000">
+              <a:schemeClr val="phClr">
+                <a:lumMod val="105000"/>
+                <a:satMod val="103000"/>
+                <a:tint val="73000"/>
+              </a:schemeClr>
+            </a:gs>
+            <a:gs pos="100000">
+              <a:schemeClr val="phClr">
+                <a:lumMod val="105000"/>
+                <a:satMod val="109000"/>
+                <a:tint val="81000"/>
+              </a:schemeClr>
+            </a:gs>
+          </a:gsLst>
+          <a:lin ang="5400000" scaled="0"/>
+        </a:gradFill>
+        <a:gradFill rotWithShape="1">
+          <a:gsLst>
+            <a:gs pos="0">
+              <a:schemeClr val="phClr">
+                <a:satMod val="103000"/>
+                <a:lumMod val="102000"/>
+                <a:tint val="94000"/>
+              </a:schemeClr>
+            </a:gs>
+            <a:gs pos="50000">
+              <a:schemeClr val="phClr">
+                <a:satMod val="110000"/>
+                <a:lumMod val="100000"/>
+                <a:shade val="100000"/>
+              </a:schemeClr>
+            </a:gs>
+            <a:gs pos="100000">
+              <a:schemeClr val="phClr">
+                <a:lumMod val="99000"/>
+                <a:satMod val="120000"/>
+                <a:shade val="78000"/>
+              </a:schemeClr>
+            </a:gs>
+          </a:gsLst>
+          <a:lin ang="5400000" scaled="0"/>
+        </a:gradFill>
+      </a:fillStyleLst>
+      <a:lnStyleLst>
+        <a:ln w="6350" cap="flat" cmpd="sng" algn="ctr">
+          <a:solidFill>
+            <a:schemeClr val="phClr"/>
+          </a:solidFill>
+          <a:prstDash val="solid"/>
+          <a:miter lim="800000"/>
+        </a:ln>
+        <a:ln w="12700" cap="flat" cmpd="sng" algn="ctr">
+          <a:solidFill>
+            <a:schemeClr val="phClr"/>
+          </a:solidFill>
+          <a:prstDash val="solid"/>
+          <a:miter lim="800000"/>
+        </a:ln>
+        <a:ln w="19050" cap="flat" cmpd="sng" algn="ctr">
+          <a:solidFill>
+            <a:schemeClr val="phClr"/>
+          </a:solidFill>
+          <a:prstDash val="solid"/>
+          <a:miter lim="800000"/>
+        </a:ln>
+      </a:lnStyleLst>
+      <a:effectStyleLst>
+        <a:effectStyle>
+          <a:effectLst/>
+        </a:effectStyle>
+        <a:effectStyle>
+          <a:effectLst/>
+        </a:effectStyle>
+        <a:effectStyle>
+          <a:effectLst>
+            <a:outerShdw blurRad="57150" dist="19050" dir="5400000" algn="ctr" rotWithShape="0">
+              <a:srgbClr val="000000">
+                <a:alpha val="63000"/>
+              </a:srgbClr>
+            </a:outerShdw>
+          </a:effectLst>
+        </a:effectStyle>
+      </a:effectStyleLst>
+      <a:bgFillStyleLst>
+        <a:solidFill>
+          <a:schemeClr val="phClr"/>
+        </a:solidFill>
+        <a:solidFill>
+          <a:schemeClr val="phClr">
+            <a:tint val="95000"/>
+            <a:satMod val="170000"/>
+          </a:schemeClr>
+        </a:solidFill>
+        <a:gradFill rotWithShape="1">
+          <a:gsLst>
+            <a:gs pos="0">
+              <a:schemeClr val="phClr">
+                <a:tint val="93000"/>
+                <a:satMod val="150000"/>
+                <a:shade val="98000"/>
+                <a:lumMod val="102000"/>
+              </a:schemeClr>
+            </a:gs>
+            <a:gs pos="50000">
+              <a:schemeClr val="phClr">
+                <a:tint val="98000"/>
+                <a:satMod val="130000"/>
+                <a:shade val="90000"/>
+                <a:lumMod val="103000"/>
+              </a:schemeClr>
+            </a:gs>
+            <a:gs pos="100000">
+              <a:schemeClr val="phClr">
+                <a:shade val="63000"/>
+                <a:satMod val="120000"/>
+              </a:schemeClr>
+            </a:gs>
+          </a:gsLst>
+          <a:lin ang="5400000" scaled="0"/>
+        </a:gradFill>
+      </a:bgFillStyleLst>
+    </a:fmtScheme>
+  </a:themeElements>
+  <a:objectDefaults/>
+  <a:extraClrSchemeLst/>
+  <a:extLst>
+    <a:ext uri="{05A4C25C-085E-4340-85A3-A5531E510DB2}">
+      <thm15:themeFamily xmlns:thm15="http://schemas.microsoft.com/office/thememl/2012/main" name="Office Theme" id="{62F939B6-93AF-4DB8-9C6B-D6C7DFDC589F}" vid="{4A3C46E8-61CC-4603-A589-7422A47A8E4A}"/>
+    </a:ext>
+  </a:extLst>
+</a:theme>
 </file>
--- a/PPT/臻美味.pptx
+++ b/PPT/臻美味.pptx
@@ -5,7 +5,7 @@
     <p:sldMasterId id="2147483648" r:id="rId1"/>
   </p:sldMasterIdLst>
   <p:notesMasterIdLst>
-    <p:notesMasterId r:id="rId10"/>
+    <p:notesMasterId r:id="rId18"/>
   </p:notesMasterIdLst>
   <p:sldIdLst>
     <p:sldId id="256" r:id="rId2"/>
@@ -16,6 +16,14 @@
     <p:sldId id="262" r:id="rId7"/>
     <p:sldId id="261" r:id="rId8"/>
     <p:sldId id="263" r:id="rId9"/>
+    <p:sldId id="264" r:id="rId10"/>
+    <p:sldId id="265" r:id="rId11"/>
+    <p:sldId id="266" r:id="rId12"/>
+    <p:sldId id="267" r:id="rId13"/>
+    <p:sldId id="268" r:id="rId14"/>
+    <p:sldId id="269" r:id="rId15"/>
+    <p:sldId id="270" r:id="rId16"/>
+    <p:sldId id="271" r:id="rId17"/>
   </p:sldIdLst>
   <p:sldSz cx="12192000" cy="6858000"/>
   <p:notesSz cx="6858000" cy="9144000"/>
@@ -204,7 +212,7 @@
           <a:p>
             <a:fld id="{02B24899-167C-4144-8D13-035D5F4A701D}" type="datetimeFigureOut">
               <a:rPr lang="zh-CN" altLang="en-US" smtClean="0"/>
-              <a:t>2018/8/26</a:t>
+              <a:t>2018/8/27</a:t>
             </a:fld>
             <a:endParaRPr lang="zh-CN" altLang="en-US"/>
           </a:p>
@@ -873,7 +881,7 @@
           <a:p>
             <a:fld id="{62DF9C7D-AF42-4B38-8279-5C33DD6179FC}" type="datetimeFigureOut">
               <a:rPr lang="zh-CN" altLang="en-US" smtClean="0"/>
-              <a:t>2018/8/26</a:t>
+              <a:t>2018/8/27</a:t>
             </a:fld>
             <a:endParaRPr lang="zh-CN" altLang="en-US"/>
           </a:p>
@@ -1071,7 +1079,7 @@
           <a:p>
             <a:fld id="{62DF9C7D-AF42-4B38-8279-5C33DD6179FC}" type="datetimeFigureOut">
               <a:rPr lang="zh-CN" altLang="en-US" smtClean="0"/>
-              <a:t>2018/8/26</a:t>
+              <a:t>2018/8/27</a:t>
             </a:fld>
             <a:endParaRPr lang="zh-CN" altLang="en-US"/>
           </a:p>
@@ -1279,7 +1287,7 @@
           <a:p>
             <a:fld id="{62DF9C7D-AF42-4B38-8279-5C33DD6179FC}" type="datetimeFigureOut">
               <a:rPr lang="zh-CN" altLang="en-US" smtClean="0"/>
-              <a:t>2018/8/26</a:t>
+              <a:t>2018/8/27</a:t>
             </a:fld>
             <a:endParaRPr lang="zh-CN" altLang="en-US"/>
           </a:p>
@@ -1477,7 +1485,7 @@
           <a:p>
             <a:fld id="{62DF9C7D-AF42-4B38-8279-5C33DD6179FC}" type="datetimeFigureOut">
               <a:rPr lang="zh-CN" altLang="en-US" smtClean="0"/>
-              <a:t>2018/8/26</a:t>
+              <a:t>2018/8/27</a:t>
             </a:fld>
             <a:endParaRPr lang="zh-CN" altLang="en-US"/>
           </a:p>
@@ -1752,7 +1760,7 @@
           <a:p>
             <a:fld id="{62DF9C7D-AF42-4B38-8279-5C33DD6179FC}" type="datetimeFigureOut">
               <a:rPr lang="zh-CN" altLang="en-US" smtClean="0"/>
-              <a:t>2018/8/26</a:t>
+              <a:t>2018/8/27</a:t>
             </a:fld>
             <a:endParaRPr lang="zh-CN" altLang="en-US"/>
           </a:p>
@@ -2017,7 +2025,7 @@
           <a:p>
             <a:fld id="{62DF9C7D-AF42-4B38-8279-5C33DD6179FC}" type="datetimeFigureOut">
               <a:rPr lang="zh-CN" altLang="en-US" smtClean="0"/>
-              <a:t>2018/8/26</a:t>
+              <a:t>2018/8/27</a:t>
             </a:fld>
             <a:endParaRPr lang="zh-CN" altLang="en-US"/>
           </a:p>
@@ -2429,7 +2437,7 @@
           <a:p>
             <a:fld id="{62DF9C7D-AF42-4B38-8279-5C33DD6179FC}" type="datetimeFigureOut">
               <a:rPr lang="zh-CN" altLang="en-US" smtClean="0"/>
-              <a:t>2018/8/26</a:t>
+              <a:t>2018/8/27</a:t>
             </a:fld>
             <a:endParaRPr lang="zh-CN" altLang="en-US"/>
           </a:p>
@@ -2570,7 +2578,7 @@
           <a:p>
             <a:fld id="{62DF9C7D-AF42-4B38-8279-5C33DD6179FC}" type="datetimeFigureOut">
               <a:rPr lang="zh-CN" altLang="en-US" smtClean="0"/>
-              <a:t>2018/8/26</a:t>
+              <a:t>2018/8/27</a:t>
             </a:fld>
             <a:endParaRPr lang="zh-CN" altLang="en-US"/>
           </a:p>
@@ -2683,7 +2691,7 @@
           <a:p>
             <a:fld id="{62DF9C7D-AF42-4B38-8279-5C33DD6179FC}" type="datetimeFigureOut">
               <a:rPr lang="zh-CN" altLang="en-US" smtClean="0"/>
-              <a:t>2018/8/26</a:t>
+              <a:t>2018/8/27</a:t>
             </a:fld>
             <a:endParaRPr lang="zh-CN" altLang="en-US"/>
           </a:p>
@@ -2994,7 +3002,7 @@
           <a:p>
             <a:fld id="{62DF9C7D-AF42-4B38-8279-5C33DD6179FC}" type="datetimeFigureOut">
               <a:rPr lang="zh-CN" altLang="en-US" smtClean="0"/>
-              <a:t>2018/8/26</a:t>
+              <a:t>2018/8/27</a:t>
             </a:fld>
             <a:endParaRPr lang="zh-CN" altLang="en-US"/>
           </a:p>
@@ -3282,7 +3290,7 @@
           <a:p>
             <a:fld id="{62DF9C7D-AF42-4B38-8279-5C33DD6179FC}" type="datetimeFigureOut">
               <a:rPr lang="zh-CN" altLang="en-US" smtClean="0"/>
-              <a:t>2018/8/26</a:t>
+              <a:t>2018/8/27</a:t>
             </a:fld>
             <a:endParaRPr lang="zh-CN" altLang="en-US"/>
           </a:p>
@@ -3523,7 +3531,7 @@
           <a:p>
             <a:fld id="{62DF9C7D-AF42-4B38-8279-5C33DD6179FC}" type="datetimeFigureOut">
               <a:rPr lang="zh-CN" altLang="en-US" smtClean="0"/>
-              <a:t>2018/8/26</a:t>
+              <a:t>2018/8/27</a:t>
             </a:fld>
             <a:endParaRPr lang="zh-CN" altLang="en-US"/>
           </a:p>
@@ -4009,6 +4017,607 @@
 </p:sld>
 </file>
 
+<file path=ppt/slides/slide10.xml><?xml version="1.0" encoding="utf-8"?>
+<p:sld xmlns:a="http://schemas.openxmlformats.org/drawingml/2006/main" xmlns:r="http://schemas.openxmlformats.org/officeDocument/2006/relationships" xmlns:p="http://schemas.openxmlformats.org/presentationml/2006/main">
+  <p:cSld>
+    <p:spTree>
+      <p:nvGrpSpPr>
+        <p:cNvPr id="1" name=""/>
+        <p:cNvGrpSpPr/>
+        <p:nvPr/>
+      </p:nvGrpSpPr>
+      <p:grpSpPr>
+        <a:xfrm>
+          <a:off x="0" y="0"/>
+          <a:ext cx="0" cy="0"/>
+          <a:chOff x="0" y="0"/>
+          <a:chExt cx="0" cy="0"/>
+        </a:xfrm>
+      </p:grpSpPr>
+      <p:sp>
+        <p:nvSpPr>
+          <p:cNvPr id="2" name="标题 1">
+            <a:extLst>
+              <a:ext uri="{FF2B5EF4-FFF2-40B4-BE49-F238E27FC236}">
+                <a16:creationId xmlns:a16="http://schemas.microsoft.com/office/drawing/2014/main" id="{5A0F6F20-1E00-4F7D-8E3A-0265D33326AC}"/>
+              </a:ext>
+            </a:extLst>
+          </p:cNvPr>
+          <p:cNvSpPr>
+            <a:spLocks noGrp="1"/>
+          </p:cNvSpPr>
+          <p:nvPr>
+            <p:ph type="title"/>
+          </p:nvPr>
+        </p:nvSpPr>
+        <p:spPr/>
+        <p:txBody>
+          <a:bodyPr/>
+          <a:lstStyle/>
+          <a:p>
+            <a:r>
+              <a:rPr lang="zh-CN" altLang="en-US" dirty="0"/>
+              <a:t>市场需求</a:t>
+            </a:r>
+          </a:p>
+        </p:txBody>
+      </p:sp>
+      <p:sp>
+        <p:nvSpPr>
+          <p:cNvPr id="3" name="内容占位符 2">
+            <a:extLst>
+              <a:ext uri="{FF2B5EF4-FFF2-40B4-BE49-F238E27FC236}">
+                <a16:creationId xmlns:a16="http://schemas.microsoft.com/office/drawing/2014/main" id="{C5E4EEEB-7CD2-48B7-AE91-A1AD9B59F71D}"/>
+              </a:ext>
+            </a:extLst>
+          </p:cNvPr>
+          <p:cNvSpPr>
+            <a:spLocks noGrp="1"/>
+          </p:cNvSpPr>
+          <p:nvPr>
+            <p:ph idx="1"/>
+          </p:nvPr>
+        </p:nvSpPr>
+        <p:spPr/>
+        <p:txBody>
+          <a:bodyPr/>
+          <a:lstStyle/>
+          <a:p>
+            <a:r>
+              <a:rPr lang="zh-CN" altLang="en-US" dirty="0"/>
+              <a:t>自己在家动手制作好吃、健康的食品是人们生活水平提升后的一个必然需求。做出来的菜好吃与否，有两个很重要的关键点：调味、火候。</a:t>
+            </a:r>
+          </a:p>
+        </p:txBody>
+      </p:sp>
+    </p:spTree>
+    <p:extLst>
+      <p:ext uri="{BB962C8B-B14F-4D97-AF65-F5344CB8AC3E}">
+        <p14:creationId xmlns:p14="http://schemas.microsoft.com/office/powerpoint/2010/main" val="1758799171"/>
+      </p:ext>
+    </p:extLst>
+  </p:cSld>
+  <p:clrMapOvr>
+    <a:masterClrMapping/>
+  </p:clrMapOvr>
+</p:sld>
+</file>
+
+<file path=ppt/slides/slide11.xml><?xml version="1.0" encoding="utf-8"?>
+<p:sld xmlns:a="http://schemas.openxmlformats.org/drawingml/2006/main" xmlns:r="http://schemas.openxmlformats.org/officeDocument/2006/relationships" xmlns:p="http://schemas.openxmlformats.org/presentationml/2006/main">
+  <p:cSld>
+    <p:spTree>
+      <p:nvGrpSpPr>
+        <p:cNvPr id="1" name=""/>
+        <p:cNvGrpSpPr/>
+        <p:nvPr/>
+      </p:nvGrpSpPr>
+      <p:grpSpPr>
+        <a:xfrm>
+          <a:off x="0" y="0"/>
+          <a:ext cx="0" cy="0"/>
+          <a:chOff x="0" y="0"/>
+          <a:chExt cx="0" cy="0"/>
+        </a:xfrm>
+      </p:grpSpPr>
+      <p:sp>
+        <p:nvSpPr>
+          <p:cNvPr id="2" name="标题 1">
+            <a:extLst>
+              <a:ext uri="{FF2B5EF4-FFF2-40B4-BE49-F238E27FC236}">
+                <a16:creationId xmlns:a16="http://schemas.microsoft.com/office/drawing/2014/main" id="{04FA801A-8261-406A-B89C-16483496CE16}"/>
+              </a:ext>
+            </a:extLst>
+          </p:cNvPr>
+          <p:cNvSpPr>
+            <a:spLocks noGrp="1"/>
+          </p:cNvSpPr>
+          <p:nvPr>
+            <p:ph type="title"/>
+          </p:nvPr>
+        </p:nvSpPr>
+        <p:spPr>
+          <a:xfrm>
+            <a:off x="838200" y="2791078"/>
+            <a:ext cx="10515600" cy="1325563"/>
+          </a:xfrm>
+        </p:spPr>
+        <p:txBody>
+          <a:bodyPr/>
+          <a:lstStyle/>
+          <a:p>
+            <a:pPr algn="ctr"/>
+            <a:r>
+              <a:rPr lang="zh-CN" altLang="en-US" dirty="0"/>
+              <a:t>点</a:t>
+            </a:r>
+          </a:p>
+        </p:txBody>
+      </p:sp>
+    </p:spTree>
+    <p:extLst>
+      <p:ext uri="{BB962C8B-B14F-4D97-AF65-F5344CB8AC3E}">
+        <p14:creationId xmlns:p14="http://schemas.microsoft.com/office/powerpoint/2010/main" val="1205165780"/>
+      </p:ext>
+    </p:extLst>
+  </p:cSld>
+  <p:clrMapOvr>
+    <a:masterClrMapping/>
+  </p:clrMapOvr>
+</p:sld>
+</file>
+
+<file path=ppt/slides/slide12.xml><?xml version="1.0" encoding="utf-8"?>
+<p:sld xmlns:a="http://schemas.openxmlformats.org/drawingml/2006/main" xmlns:r="http://schemas.openxmlformats.org/officeDocument/2006/relationships" xmlns:p="http://schemas.openxmlformats.org/presentationml/2006/main">
+  <p:cSld>
+    <p:spTree>
+      <p:nvGrpSpPr>
+        <p:cNvPr id="1" name=""/>
+        <p:cNvGrpSpPr/>
+        <p:nvPr/>
+      </p:nvGrpSpPr>
+      <p:grpSpPr>
+        <a:xfrm>
+          <a:off x="0" y="0"/>
+          <a:ext cx="0" cy="0"/>
+          <a:chOff x="0" y="0"/>
+          <a:chExt cx="0" cy="0"/>
+        </a:xfrm>
+      </p:grpSpPr>
+      <p:sp>
+        <p:nvSpPr>
+          <p:cNvPr id="2" name="标题 1">
+            <a:extLst>
+              <a:ext uri="{FF2B5EF4-FFF2-40B4-BE49-F238E27FC236}">
+                <a16:creationId xmlns:a16="http://schemas.microsoft.com/office/drawing/2014/main" id="{6A3D5DD8-F756-4B91-991D-3785D1685921}"/>
+              </a:ext>
+            </a:extLst>
+          </p:cNvPr>
+          <p:cNvSpPr>
+            <a:spLocks noGrp="1"/>
+          </p:cNvSpPr>
+          <p:nvPr>
+            <p:ph type="title"/>
+          </p:nvPr>
+        </p:nvSpPr>
+        <p:spPr/>
+        <p:txBody>
+          <a:bodyPr/>
+          <a:lstStyle/>
+          <a:p>
+            <a:r>
+              <a:rPr lang="zh-CN" altLang="en-US" dirty="0"/>
+              <a:t>臻美味</a:t>
+            </a:r>
+            <a:r>
+              <a:rPr lang="en-US" altLang="zh-CN" dirty="0"/>
+              <a:t>APP</a:t>
+            </a:r>
+            <a:endParaRPr lang="zh-CN" altLang="en-US" dirty="0"/>
+          </a:p>
+        </p:txBody>
+      </p:sp>
+      <p:sp>
+        <p:nvSpPr>
+          <p:cNvPr id="3" name="内容占位符 2">
+            <a:extLst>
+              <a:ext uri="{FF2B5EF4-FFF2-40B4-BE49-F238E27FC236}">
+                <a16:creationId xmlns:a16="http://schemas.microsoft.com/office/drawing/2014/main" id="{A8210FA7-DECC-4498-9E61-9686FCA1EDF8}"/>
+              </a:ext>
+            </a:extLst>
+          </p:cNvPr>
+          <p:cNvSpPr>
+            <a:spLocks noGrp="1"/>
+          </p:cNvSpPr>
+          <p:nvPr>
+            <p:ph idx="1"/>
+          </p:nvPr>
+        </p:nvSpPr>
+        <p:spPr/>
+        <p:txBody>
+          <a:bodyPr/>
+          <a:lstStyle/>
+          <a:p>
+            <a:r>
+              <a:rPr lang="zh-CN" altLang="en-US" dirty="0"/>
+              <a:t>是一款智能菜谱</a:t>
+            </a:r>
+            <a:r>
+              <a:rPr lang="en-US" altLang="zh-CN" dirty="0"/>
+              <a:t>APP</a:t>
+            </a:r>
+            <a:r>
+              <a:rPr lang="zh-CN" altLang="en-US" dirty="0"/>
+              <a:t>，他的主要特点是可以自动根据你设定的食材量来计算与控制你的臻美味调味罐。调味罐是</a:t>
+            </a:r>
+            <a:r>
+              <a:rPr lang="en-US" altLang="zh-CN" dirty="0"/>
+              <a:t>APP</a:t>
+            </a:r>
+            <a:r>
+              <a:rPr lang="zh-CN" altLang="en-US" dirty="0"/>
+              <a:t>第一款支持的智能厨电，未来还会加入更多的厨电支持。作为一款智能菜谱</a:t>
+            </a:r>
+            <a:r>
+              <a:rPr lang="en-US" altLang="zh-CN" dirty="0"/>
+              <a:t>APP</a:t>
+            </a:r>
+            <a:r>
+              <a:rPr lang="zh-CN" altLang="en-US" dirty="0"/>
+              <a:t>，臻美味也是一个美食社区。</a:t>
+            </a:r>
+          </a:p>
+        </p:txBody>
+      </p:sp>
+    </p:spTree>
+    <p:extLst>
+      <p:ext uri="{BB962C8B-B14F-4D97-AF65-F5344CB8AC3E}">
+        <p14:creationId xmlns:p14="http://schemas.microsoft.com/office/powerpoint/2010/main" val="970480013"/>
+      </p:ext>
+    </p:extLst>
+  </p:cSld>
+  <p:clrMapOvr>
+    <a:masterClrMapping/>
+  </p:clrMapOvr>
+</p:sld>
+</file>
+
+<file path=ppt/slides/slide13.xml><?xml version="1.0" encoding="utf-8"?>
+<p:sld xmlns:a="http://schemas.openxmlformats.org/drawingml/2006/main" xmlns:r="http://schemas.openxmlformats.org/officeDocument/2006/relationships" xmlns:p="http://schemas.openxmlformats.org/presentationml/2006/main">
+  <p:cSld>
+    <p:spTree>
+      <p:nvGrpSpPr>
+        <p:cNvPr id="1" name=""/>
+        <p:cNvGrpSpPr/>
+        <p:nvPr/>
+      </p:nvGrpSpPr>
+      <p:grpSpPr>
+        <a:xfrm>
+          <a:off x="0" y="0"/>
+          <a:ext cx="0" cy="0"/>
+          <a:chOff x="0" y="0"/>
+          <a:chExt cx="0" cy="0"/>
+        </a:xfrm>
+      </p:grpSpPr>
+      <p:sp>
+        <p:nvSpPr>
+          <p:cNvPr id="2" name="标题 1">
+            <a:extLst>
+              <a:ext uri="{FF2B5EF4-FFF2-40B4-BE49-F238E27FC236}">
+                <a16:creationId xmlns:a16="http://schemas.microsoft.com/office/drawing/2014/main" id="{D989C617-0F63-463B-A854-6B118A90279E}"/>
+              </a:ext>
+            </a:extLst>
+          </p:cNvPr>
+          <p:cNvSpPr>
+            <a:spLocks noGrp="1"/>
+          </p:cNvSpPr>
+          <p:nvPr>
+            <p:ph type="title"/>
+          </p:nvPr>
+        </p:nvSpPr>
+        <p:spPr/>
+        <p:txBody>
+          <a:bodyPr/>
+          <a:lstStyle/>
+          <a:p>
+            <a:r>
+              <a:rPr lang="zh-CN" altLang="en-US" dirty="0"/>
+              <a:t>臻美味智能调味罐</a:t>
+            </a:r>
+          </a:p>
+        </p:txBody>
+      </p:sp>
+      <p:sp>
+        <p:nvSpPr>
+          <p:cNvPr id="3" name="内容占位符 2">
+            <a:extLst>
+              <a:ext uri="{FF2B5EF4-FFF2-40B4-BE49-F238E27FC236}">
+                <a16:creationId xmlns:a16="http://schemas.microsoft.com/office/drawing/2014/main" id="{2E5CA03D-0937-4251-BD03-FE8C68F6A28E}"/>
+              </a:ext>
+            </a:extLst>
+          </p:cNvPr>
+          <p:cNvSpPr>
+            <a:spLocks noGrp="1"/>
+          </p:cNvSpPr>
+          <p:nvPr>
+            <p:ph idx="1"/>
+          </p:nvPr>
+        </p:nvSpPr>
+        <p:spPr/>
+        <p:txBody>
+          <a:bodyPr/>
+          <a:lstStyle/>
+          <a:p>
+            <a:r>
+              <a:rPr lang="zh-CN" altLang="en-US" dirty="0"/>
+              <a:t>根据菜品种类、食材分量、个人偏好口味来自动调配做菜所需要的调味料。</a:t>
+            </a:r>
+          </a:p>
+        </p:txBody>
+      </p:sp>
+    </p:spTree>
+    <p:extLst>
+      <p:ext uri="{BB962C8B-B14F-4D97-AF65-F5344CB8AC3E}">
+        <p14:creationId xmlns:p14="http://schemas.microsoft.com/office/powerpoint/2010/main" val="2715098786"/>
+      </p:ext>
+    </p:extLst>
+  </p:cSld>
+  <p:clrMapOvr>
+    <a:masterClrMapping/>
+  </p:clrMapOvr>
+</p:sld>
+</file>
+
+<file path=ppt/slides/slide14.xml><?xml version="1.0" encoding="utf-8"?>
+<p:sld xmlns:a="http://schemas.openxmlformats.org/drawingml/2006/main" xmlns:r="http://schemas.openxmlformats.org/officeDocument/2006/relationships" xmlns:p="http://schemas.openxmlformats.org/presentationml/2006/main">
+  <p:cSld>
+    <p:spTree>
+      <p:nvGrpSpPr>
+        <p:cNvPr id="1" name=""/>
+        <p:cNvGrpSpPr/>
+        <p:nvPr/>
+      </p:nvGrpSpPr>
+      <p:grpSpPr>
+        <a:xfrm>
+          <a:off x="0" y="0"/>
+          <a:ext cx="0" cy="0"/>
+          <a:chOff x="0" y="0"/>
+          <a:chExt cx="0" cy="0"/>
+        </a:xfrm>
+      </p:grpSpPr>
+      <p:sp>
+        <p:nvSpPr>
+          <p:cNvPr id="2" name="标题 1">
+            <a:extLst>
+              <a:ext uri="{FF2B5EF4-FFF2-40B4-BE49-F238E27FC236}">
+                <a16:creationId xmlns:a16="http://schemas.microsoft.com/office/drawing/2014/main" id="{891B869A-C464-4A1C-BB55-D94638F5E798}"/>
+              </a:ext>
+            </a:extLst>
+          </p:cNvPr>
+          <p:cNvSpPr>
+            <a:spLocks noGrp="1"/>
+          </p:cNvSpPr>
+          <p:nvPr>
+            <p:ph type="title"/>
+          </p:nvPr>
+        </p:nvSpPr>
+        <p:spPr>
+          <a:xfrm>
+            <a:off x="838200" y="2567136"/>
+            <a:ext cx="10515600" cy="1325563"/>
+          </a:xfrm>
+        </p:spPr>
+        <p:txBody>
+          <a:bodyPr/>
+          <a:lstStyle/>
+          <a:p>
+            <a:pPr algn="ctr"/>
+            <a:r>
+              <a:rPr lang="zh-CN" altLang="en-US" dirty="0"/>
+              <a:t>线</a:t>
+            </a:r>
+          </a:p>
+        </p:txBody>
+      </p:sp>
+    </p:spTree>
+    <p:extLst>
+      <p:ext uri="{BB962C8B-B14F-4D97-AF65-F5344CB8AC3E}">
+        <p14:creationId xmlns:p14="http://schemas.microsoft.com/office/powerpoint/2010/main" val="1820207276"/>
+      </p:ext>
+    </p:extLst>
+  </p:cSld>
+  <p:clrMapOvr>
+    <a:masterClrMapping/>
+  </p:clrMapOvr>
+</p:sld>
+</file>
+
+<file path=ppt/slides/slide15.xml><?xml version="1.0" encoding="utf-8"?>
+<p:sld xmlns:a="http://schemas.openxmlformats.org/drawingml/2006/main" xmlns:r="http://schemas.openxmlformats.org/officeDocument/2006/relationships" xmlns:p="http://schemas.openxmlformats.org/presentationml/2006/main">
+  <p:cSld>
+    <p:spTree>
+      <p:nvGrpSpPr>
+        <p:cNvPr id="1" name=""/>
+        <p:cNvGrpSpPr/>
+        <p:nvPr/>
+      </p:nvGrpSpPr>
+      <p:grpSpPr>
+        <a:xfrm>
+          <a:off x="0" y="0"/>
+          <a:ext cx="0" cy="0"/>
+          <a:chOff x="0" y="0"/>
+          <a:chExt cx="0" cy="0"/>
+        </a:xfrm>
+      </p:grpSpPr>
+      <p:sp>
+        <p:nvSpPr>
+          <p:cNvPr id="2" name="标题 1">
+            <a:extLst>
+              <a:ext uri="{FF2B5EF4-FFF2-40B4-BE49-F238E27FC236}">
+                <a16:creationId xmlns:a16="http://schemas.microsoft.com/office/drawing/2014/main" id="{D20B20B0-E86F-4025-9051-54C355174A91}"/>
+              </a:ext>
+            </a:extLst>
+          </p:cNvPr>
+          <p:cNvSpPr>
+            <a:spLocks noGrp="1"/>
+          </p:cNvSpPr>
+          <p:nvPr>
+            <p:ph type="title"/>
+          </p:nvPr>
+        </p:nvSpPr>
+        <p:spPr/>
+        <p:txBody>
+          <a:bodyPr/>
+          <a:lstStyle/>
+          <a:p>
+            <a:endParaRPr lang="zh-CN" altLang="en-US"/>
+          </a:p>
+        </p:txBody>
+      </p:sp>
+      <p:sp>
+        <p:nvSpPr>
+          <p:cNvPr id="3" name="内容占位符 2">
+            <a:extLst>
+              <a:ext uri="{FF2B5EF4-FFF2-40B4-BE49-F238E27FC236}">
+                <a16:creationId xmlns:a16="http://schemas.microsoft.com/office/drawing/2014/main" id="{2CB06C99-AE11-4F05-8E45-B78199B21711}"/>
+              </a:ext>
+            </a:extLst>
+          </p:cNvPr>
+          <p:cNvSpPr>
+            <a:spLocks noGrp="1"/>
+          </p:cNvSpPr>
+          <p:nvPr>
+            <p:ph idx="1"/>
+          </p:nvPr>
+        </p:nvSpPr>
+        <p:spPr/>
+        <p:txBody>
+          <a:bodyPr/>
+          <a:lstStyle/>
+          <a:p>
+            <a:r>
+              <a:rPr lang="zh-CN" altLang="en-US" dirty="0"/>
+              <a:t>光一个智能调味罐其实无法全面满足人们对于更方便、高效做好吃的菜的需求。需要与其他智能厨电配合。未来臻美味计划推出智能电磁炉、智能厨房电子称、智能油罐等等各种智能化的厨房电器，与臻美味</a:t>
+            </a:r>
+            <a:r>
+              <a:rPr lang="en-US" altLang="zh-CN" dirty="0"/>
+              <a:t>APP</a:t>
+            </a:r>
+            <a:r>
+              <a:rPr lang="zh-CN" altLang="en-US" dirty="0"/>
+              <a:t>配合。解决人们更方便快捷做菜的需求。</a:t>
+            </a:r>
+          </a:p>
+        </p:txBody>
+      </p:sp>
+    </p:spTree>
+    <p:extLst>
+      <p:ext uri="{BB962C8B-B14F-4D97-AF65-F5344CB8AC3E}">
+        <p14:creationId xmlns:p14="http://schemas.microsoft.com/office/powerpoint/2010/main" val="1158487265"/>
+      </p:ext>
+    </p:extLst>
+  </p:cSld>
+  <p:clrMapOvr>
+    <a:masterClrMapping/>
+  </p:clrMapOvr>
+</p:sld>
+</file>
+
+<file path=ppt/slides/slide16.xml><?xml version="1.0" encoding="utf-8"?>
+<p:sld xmlns:a="http://schemas.openxmlformats.org/drawingml/2006/main" xmlns:r="http://schemas.openxmlformats.org/officeDocument/2006/relationships" xmlns:p="http://schemas.openxmlformats.org/presentationml/2006/main">
+  <p:cSld>
+    <p:spTree>
+      <p:nvGrpSpPr>
+        <p:cNvPr id="1" name=""/>
+        <p:cNvGrpSpPr/>
+        <p:nvPr/>
+      </p:nvGrpSpPr>
+      <p:grpSpPr>
+        <a:xfrm>
+          <a:off x="0" y="0"/>
+          <a:ext cx="0" cy="0"/>
+          <a:chOff x="0" y="0"/>
+          <a:chExt cx="0" cy="0"/>
+        </a:xfrm>
+      </p:grpSpPr>
+      <p:sp>
+        <p:nvSpPr>
+          <p:cNvPr id="2" name="标题 1">
+            <a:extLst>
+              <a:ext uri="{FF2B5EF4-FFF2-40B4-BE49-F238E27FC236}">
+                <a16:creationId xmlns:a16="http://schemas.microsoft.com/office/drawing/2014/main" id="{DAA41ABC-D7C1-4A74-94B0-56E7B8B93A09}"/>
+              </a:ext>
+            </a:extLst>
+          </p:cNvPr>
+          <p:cNvSpPr>
+            <a:spLocks noGrp="1"/>
+          </p:cNvSpPr>
+          <p:nvPr>
+            <p:ph type="title"/>
+          </p:nvPr>
+        </p:nvSpPr>
+        <p:spPr/>
+        <p:txBody>
+          <a:bodyPr/>
+          <a:lstStyle/>
+          <a:p>
+            <a:pPr algn="ctr"/>
+            <a:r>
+              <a:rPr lang="zh-CN" altLang="en-US" dirty="0"/>
+              <a:t>面</a:t>
+            </a:r>
+          </a:p>
+        </p:txBody>
+      </p:sp>
+      <p:sp>
+        <p:nvSpPr>
+          <p:cNvPr id="3" name="内容占位符 2">
+            <a:extLst>
+              <a:ext uri="{FF2B5EF4-FFF2-40B4-BE49-F238E27FC236}">
+                <a16:creationId xmlns:a16="http://schemas.microsoft.com/office/drawing/2014/main" id="{53F715CA-6CDD-45ED-9A2B-A53FBD0D0AB1}"/>
+              </a:ext>
+            </a:extLst>
+          </p:cNvPr>
+          <p:cNvSpPr>
+            <a:spLocks noGrp="1"/>
+          </p:cNvSpPr>
+          <p:nvPr>
+            <p:ph idx="1"/>
+          </p:nvPr>
+        </p:nvSpPr>
+        <p:spPr/>
+        <p:txBody>
+          <a:bodyPr/>
+          <a:lstStyle/>
+          <a:p>
+            <a:r>
+              <a:rPr lang="zh-CN" altLang="en-US" dirty="0"/>
+              <a:t>菜谱</a:t>
+            </a:r>
+            <a:r>
+              <a:rPr lang="en-US" altLang="zh-CN" dirty="0"/>
+              <a:t>APP</a:t>
+            </a:r>
+            <a:r>
+              <a:rPr lang="zh-CN" altLang="en-US" dirty="0"/>
+              <a:t>与智能厨电配合，是一个用户粘性非常强的流量入口。而且愿意使用智能厨电，愿意自己做饭的用户更容易接受其他健康食品。达到一定用户基础后，臻美味会在北上深等一线城市，推出新鲜、健康的饮食套餐，来解决多样化的饮食需求。</a:t>
+            </a:r>
+          </a:p>
+        </p:txBody>
+      </p:sp>
+    </p:spTree>
+    <p:extLst>
+      <p:ext uri="{BB962C8B-B14F-4D97-AF65-F5344CB8AC3E}">
+        <p14:creationId xmlns:p14="http://schemas.microsoft.com/office/powerpoint/2010/main" val="750265263"/>
+      </p:ext>
+    </p:extLst>
+  </p:cSld>
+  <p:clrMapOvr>
+    <a:masterClrMapping/>
+  </p:clrMapOvr>
+</p:sld>
+</file>
+
 <file path=ppt/slides/slide2.xml><?xml version="1.0" encoding="utf-8"?>
 <p:sld xmlns:a="http://schemas.openxmlformats.org/drawingml/2006/main" xmlns:r="http://schemas.openxmlformats.org/officeDocument/2006/relationships" xmlns:p="http://schemas.openxmlformats.org/presentationml/2006/main">
   <p:cSld>
@@ -4583,7 +5192,10 @@
           <a:bodyPr/>
           <a:lstStyle/>
           <a:p>
-            <a:endParaRPr lang="zh-CN" altLang="en-US"/>
+            <a:r>
+              <a:rPr lang="zh-CN" altLang="en-US" dirty="0"/>
+              <a:t>饺子馅调味 法式烤羊排腌料 椰子鸡根据不同的人 不同的菜 不同的调料配置</a:t>
+            </a:r>
           </a:p>
         </p:txBody>
       </p:sp>
@@ -4591,6 +5203,92 @@
     <p:extLst>
       <p:ext uri="{BB962C8B-B14F-4D97-AF65-F5344CB8AC3E}">
         <p14:creationId xmlns:p14="http://schemas.microsoft.com/office/powerpoint/2010/main" val="1915992514"/>
+      </p:ext>
+    </p:extLst>
+  </p:cSld>
+  <p:clrMapOvr>
+    <a:masterClrMapping/>
+  </p:clrMapOvr>
+</p:sld>
+</file>
+
+<file path=ppt/slides/slide9.xml><?xml version="1.0" encoding="utf-8"?>
+<p:sld xmlns:a="http://schemas.openxmlformats.org/drawingml/2006/main" xmlns:r="http://schemas.openxmlformats.org/officeDocument/2006/relationships" xmlns:p="http://schemas.openxmlformats.org/presentationml/2006/main">
+  <p:cSld>
+    <p:spTree>
+      <p:nvGrpSpPr>
+        <p:cNvPr id="1" name=""/>
+        <p:cNvGrpSpPr/>
+        <p:nvPr/>
+      </p:nvGrpSpPr>
+      <p:grpSpPr>
+        <a:xfrm>
+          <a:off x="0" y="0"/>
+          <a:ext cx="0" cy="0"/>
+          <a:chOff x="0" y="0"/>
+          <a:chExt cx="0" cy="0"/>
+        </a:xfrm>
+      </p:grpSpPr>
+      <p:sp>
+        <p:nvSpPr>
+          <p:cNvPr id="2" name="标题 1">
+            <a:extLst>
+              <a:ext uri="{FF2B5EF4-FFF2-40B4-BE49-F238E27FC236}">
+                <a16:creationId xmlns:a16="http://schemas.microsoft.com/office/drawing/2014/main" id="{4A7A2558-0561-457D-A59F-59500AE9A3B7}"/>
+              </a:ext>
+            </a:extLst>
+          </p:cNvPr>
+          <p:cNvSpPr>
+            <a:spLocks noGrp="1"/>
+          </p:cNvSpPr>
+          <p:nvPr>
+            <p:ph type="title"/>
+          </p:nvPr>
+        </p:nvSpPr>
+        <p:spPr/>
+        <p:txBody>
+          <a:bodyPr/>
+          <a:lstStyle/>
+          <a:p>
+            <a:r>
+              <a:rPr lang="zh-CN" altLang="en-US" dirty="0"/>
+              <a:t>健康</a:t>
+            </a:r>
+          </a:p>
+        </p:txBody>
+      </p:sp>
+      <p:sp>
+        <p:nvSpPr>
+          <p:cNvPr id="3" name="内容占位符 2">
+            <a:extLst>
+              <a:ext uri="{FF2B5EF4-FFF2-40B4-BE49-F238E27FC236}">
+                <a16:creationId xmlns:a16="http://schemas.microsoft.com/office/drawing/2014/main" id="{35D5EC83-9948-48D9-A895-632062C10B3E}"/>
+              </a:ext>
+            </a:extLst>
+          </p:cNvPr>
+          <p:cNvSpPr>
+            <a:spLocks noGrp="1"/>
+          </p:cNvSpPr>
+          <p:nvPr>
+            <p:ph idx="1"/>
+          </p:nvPr>
+        </p:nvSpPr>
+        <p:spPr/>
+        <p:txBody>
+          <a:bodyPr/>
+          <a:lstStyle/>
+          <a:p>
+            <a:r>
+              <a:rPr lang="zh-CN" altLang="en-US" dirty="0"/>
+              <a:t>记录 配置 控制盐 糖 油的消耗量糖对减肥与其他的重要性</a:t>
+            </a:r>
+          </a:p>
+        </p:txBody>
+      </p:sp>
+    </p:spTree>
+    <p:extLst>
+      <p:ext uri="{BB962C8B-B14F-4D97-AF65-F5344CB8AC3E}">
+        <p14:creationId xmlns:p14="http://schemas.microsoft.com/office/powerpoint/2010/main" val="1338277085"/>
       </p:ext>
     </p:extLst>
   </p:cSld>
